--- a/text/GCB/v3_GCB-GRAPHICAL-ABSTRACT.pptx
+++ b/text/GCB/v3_GCB-GRAPHICAL-ABSTRACT.pptx
@@ -208,7 +208,7 @@
           <a:p>
             <a:fld id="{887B59A3-44F0-584E-ABAA-86C01B88A4F5}" type="datetimeFigureOut">
               <a:rPr lang="en-SE" smtClean="0"/>
-              <a:t>2021-08-03</a:t>
+              <a:t>2021-08-05</a:t>
             </a:fld>
             <a:endParaRPr lang="en-SE"/>
           </a:p>
@@ -537,6 +537,54 @@
               <a:tabLst/>
               <a:defRPr/>
             </a:pPr>
+            <a:r>
+              <a:rPr lang="en-US" sz="1200" dirty="0">
+                <a:solidFill>
+                  <a:schemeClr val="tx1"/>
+                </a:solidFill>
+                <a:latin typeface="Arial" panose="020B0604020202020204" pitchFamily="34" charset="0"/>
+                <a:cs typeface="Arial" panose="020B0604020202020204" pitchFamily="34" charset="0"/>
+              </a:rPr>
+              <a:t>Data analysis reveals that metabolic costs increase faster with body size than feeding rates in fishes. A biological growth model then predicts that optimal growth occurs at colder temperatures in large fish, </a:t>
+            </a:r>
+            <a:r>
+              <a:rPr lang="en-GB" sz="1200" dirty="0">
+                <a:solidFill>
+                  <a:schemeClr val="tx1"/>
+                </a:solidFill>
+                <a:latin typeface="-webkit-standard"/>
+              </a:rPr>
+              <a:t>and this prediction was confirmed using data on experimental growth trials. </a:t>
+            </a:r>
+            <a:r>
+              <a:rPr lang="en-US" sz="1200" dirty="0">
+                <a:solidFill>
+                  <a:schemeClr val="tx1"/>
+                </a:solidFill>
+                <a:latin typeface="Arial" panose="020B0604020202020204" pitchFamily="34" charset="0"/>
+                <a:cs typeface="Arial" panose="020B0604020202020204" pitchFamily="34" charset="0"/>
+              </a:rPr>
+              <a:t>Hence, in a warmer ocean, large fish within a population may be the first to suffer negative effects of warming on growth</a:t>
+            </a:r>
+          </a:p>
+          <a:p>
+            <a:pPr marL="0" marR="0" lvl="0" indent="0" algn="l" defTabSz="914400" rtl="0" eaLnBrk="1" fontAlgn="auto" latinLnBrk="0" hangingPunct="1">
+              <a:lnSpc>
+                <a:spcPct val="100000"/>
+              </a:lnSpc>
+              <a:spcBef>
+                <a:spcPts val="0"/>
+              </a:spcBef>
+              <a:spcAft>
+                <a:spcPts val="0"/>
+              </a:spcAft>
+              <a:buClrTx/>
+              <a:buSzTx/>
+              <a:buFontTx/>
+              <a:buNone/>
+              <a:tabLst/>
+              <a:defRPr/>
+            </a:pPr>
             <a:endParaRPr lang="en-US" sz="1200" dirty="0">
               <a:solidFill>
                 <a:schemeClr val="tx1">
@@ -735,7 +783,7 @@
           <a:p>
             <a:fld id="{95A29E81-21E0-E647-B441-6F202B03CF57}" type="datetimeFigureOut">
               <a:rPr lang="en-SE" smtClean="0"/>
-              <a:t>2021-08-03</a:t>
+              <a:t>2021-08-05</a:t>
             </a:fld>
             <a:endParaRPr lang="en-SE"/>
           </a:p>
@@ -935,7 +983,7 @@
           <a:p>
             <a:fld id="{95A29E81-21E0-E647-B441-6F202B03CF57}" type="datetimeFigureOut">
               <a:rPr lang="en-SE" smtClean="0"/>
-              <a:t>2021-08-03</a:t>
+              <a:t>2021-08-05</a:t>
             </a:fld>
             <a:endParaRPr lang="en-SE"/>
           </a:p>
@@ -1145,7 +1193,7 @@
           <a:p>
             <a:fld id="{95A29E81-21E0-E647-B441-6F202B03CF57}" type="datetimeFigureOut">
               <a:rPr lang="en-SE" smtClean="0"/>
-              <a:t>2021-08-03</a:t>
+              <a:t>2021-08-05</a:t>
             </a:fld>
             <a:endParaRPr lang="en-SE"/>
           </a:p>
@@ -1345,7 +1393,7 @@
           <a:p>
             <a:fld id="{95A29E81-21E0-E647-B441-6F202B03CF57}" type="datetimeFigureOut">
               <a:rPr lang="en-SE" smtClean="0"/>
-              <a:t>2021-08-03</a:t>
+              <a:t>2021-08-05</a:t>
             </a:fld>
             <a:endParaRPr lang="en-SE"/>
           </a:p>
@@ -1621,7 +1669,7 @@
           <a:p>
             <a:fld id="{95A29E81-21E0-E647-B441-6F202B03CF57}" type="datetimeFigureOut">
               <a:rPr lang="en-SE" smtClean="0"/>
-              <a:t>2021-08-03</a:t>
+              <a:t>2021-08-05</a:t>
             </a:fld>
             <a:endParaRPr lang="en-SE"/>
           </a:p>
@@ -1889,7 +1937,7 @@
           <a:p>
             <a:fld id="{95A29E81-21E0-E647-B441-6F202B03CF57}" type="datetimeFigureOut">
               <a:rPr lang="en-SE" smtClean="0"/>
-              <a:t>2021-08-03</a:t>
+              <a:t>2021-08-05</a:t>
             </a:fld>
             <a:endParaRPr lang="en-SE"/>
           </a:p>
@@ -2304,7 +2352,7 @@
           <a:p>
             <a:fld id="{95A29E81-21E0-E647-B441-6F202B03CF57}" type="datetimeFigureOut">
               <a:rPr lang="en-SE" smtClean="0"/>
-              <a:t>2021-08-03</a:t>
+              <a:t>2021-08-05</a:t>
             </a:fld>
             <a:endParaRPr lang="en-SE"/>
           </a:p>
@@ -2446,7 +2494,7 @@
           <a:p>
             <a:fld id="{95A29E81-21E0-E647-B441-6F202B03CF57}" type="datetimeFigureOut">
               <a:rPr lang="en-SE" smtClean="0"/>
-              <a:t>2021-08-03</a:t>
+              <a:t>2021-08-05</a:t>
             </a:fld>
             <a:endParaRPr lang="en-SE"/>
           </a:p>
@@ -2559,7 +2607,7 @@
           <a:p>
             <a:fld id="{95A29E81-21E0-E647-B441-6F202B03CF57}" type="datetimeFigureOut">
               <a:rPr lang="en-SE" smtClean="0"/>
-              <a:t>2021-08-03</a:t>
+              <a:t>2021-08-05</a:t>
             </a:fld>
             <a:endParaRPr lang="en-SE"/>
           </a:p>
@@ -2872,7 +2920,7 @@
           <a:p>
             <a:fld id="{95A29E81-21E0-E647-B441-6F202B03CF57}" type="datetimeFigureOut">
               <a:rPr lang="en-SE" smtClean="0"/>
-              <a:t>2021-08-03</a:t>
+              <a:t>2021-08-05</a:t>
             </a:fld>
             <a:endParaRPr lang="en-SE"/>
           </a:p>
@@ -3161,7 +3209,7 @@
           <a:p>
             <a:fld id="{95A29E81-21E0-E647-B441-6F202B03CF57}" type="datetimeFigureOut">
               <a:rPr lang="en-SE" smtClean="0"/>
-              <a:t>2021-08-03</a:t>
+              <a:t>2021-08-05</a:t>
             </a:fld>
             <a:endParaRPr lang="en-SE"/>
           </a:p>
@@ -3404,7 +3452,7 @@
           <a:p>
             <a:fld id="{95A29E81-21E0-E647-B441-6F202B03CF57}" type="datetimeFigureOut">
               <a:rPr lang="en-SE" smtClean="0"/>
-              <a:t>2021-08-03</a:t>
+              <a:t>2021-08-05</a:t>
             </a:fld>
             <a:endParaRPr lang="en-SE"/>
           </a:p>
@@ -4056,94 +4104,6 @@
                 <a:cs typeface="Arial" panose="020B0604020202020204" pitchFamily="34" charset="0"/>
               </a:rPr>
               <a:t> </a:t>
-            </a:r>
-          </a:p>
-        </p:txBody>
-      </p:sp>
-      <p:sp>
-        <p:nvSpPr>
-          <p:cNvPr id="4" name="Rectangle 3">
-            <a:extLst>
-              <a:ext uri="{FF2B5EF4-FFF2-40B4-BE49-F238E27FC236}">
-                <a16:creationId xmlns:a16="http://schemas.microsoft.com/office/drawing/2014/main" id="{45E54BB0-192D-BD45-A4F8-DA5338B48E62}"/>
-              </a:ext>
-            </a:extLst>
-          </p:cNvPr>
-          <p:cNvSpPr/>
-          <p:nvPr/>
-        </p:nvSpPr>
-        <p:spPr>
-          <a:xfrm>
-            <a:off x="71962" y="2191082"/>
-            <a:ext cx="2930340" cy="3766116"/>
-          </a:xfrm>
-          <a:prstGeom prst="rect">
-            <a:avLst/>
-          </a:prstGeom>
-          <a:solidFill>
-            <a:schemeClr val="bg1">
-              <a:alpha val="20000"/>
-            </a:schemeClr>
-          </a:solidFill>
-          <a:ln w="57150">
-            <a:solidFill>
-              <a:schemeClr val="bg1">
-                <a:alpha val="0"/>
-              </a:schemeClr>
-            </a:solidFill>
-          </a:ln>
-        </p:spPr>
-        <p:style>
-          <a:lnRef idx="2">
-            <a:schemeClr val="accent1">
-              <a:shade val="50000"/>
-            </a:schemeClr>
-          </a:lnRef>
-          <a:fillRef idx="1">
-            <a:schemeClr val="accent1"/>
-          </a:fillRef>
-          <a:effectRef idx="0">
-            <a:schemeClr val="accent1"/>
-          </a:effectRef>
-          <a:fontRef idx="minor">
-            <a:schemeClr val="lt1"/>
-          </a:fontRef>
-        </p:style>
-        <p:txBody>
-          <a:bodyPr rtlCol="0" anchor="ctr"/>
-          <a:lstStyle/>
-          <a:p>
-            <a:pPr lvl="0">
-              <a:defRPr/>
-            </a:pPr>
-            <a:r>
-              <a:rPr lang="en-US" sz="1600" dirty="0">
-                <a:solidFill>
-                  <a:schemeClr val="tx1"/>
-                </a:solidFill>
-                <a:latin typeface="Arial" panose="020B0604020202020204" pitchFamily="34" charset="0"/>
-                <a:cs typeface="Arial" panose="020B0604020202020204" pitchFamily="34" charset="0"/>
-              </a:rPr>
-              <a:t>Data analysis reveals that metabolic costs increase faster with body size than feeding rates in fishes. A biological growth model then predicts that optimal growth occurs at colder temperatures in large fish, </a:t>
-            </a:r>
-            <a:r>
-              <a:rPr lang="en-GB" sz="1600" dirty="0">
-                <a:solidFill>
-                  <a:schemeClr val="tx1"/>
-                </a:solidFill>
-                <a:latin typeface="-webkit-standard"/>
-              </a:rPr>
-              <a:t>and this prediction was confirmed using data on experimental growth trials. </a:t>
-            </a:r>
-            <a:r>
-              <a:rPr lang="en-US" sz="1600" dirty="0">
-                <a:solidFill>
-                  <a:schemeClr val="tx1"/>
-                </a:solidFill>
-                <a:latin typeface="Arial" panose="020B0604020202020204" pitchFamily="34" charset="0"/>
-                <a:cs typeface="Arial" panose="020B0604020202020204" pitchFamily="34" charset="0"/>
-              </a:rPr>
-              <a:t>Hence, in a warmer ocean, large fish within a population may be the first to suffer negative effects of warming on growth</a:t>
             </a:r>
           </a:p>
         </p:txBody>
@@ -5008,9 +4968,9 @@
         <p:grpSpPr>
           <a:xfrm>
             <a:off x="554648" y="-1802927"/>
-            <a:ext cx="6369331" cy="5800501"/>
+            <a:ext cx="6369331" cy="8340462"/>
             <a:chOff x="-1183168" y="735369"/>
-            <a:chExt cx="6369331" cy="5800501"/>
+            <a:chExt cx="6369331" cy="8340462"/>
           </a:xfrm>
         </p:grpSpPr>
         <p:grpSp>
@@ -5600,7 +5560,7 @@
           </p:nvSpPr>
           <p:spPr>
             <a:xfrm>
-              <a:off x="2675824" y="6188700"/>
+              <a:off x="2692292" y="8728661"/>
               <a:ext cx="1665892" cy="347170"/>
             </a:xfrm>
             <a:prstGeom prst="rect">
@@ -6076,6 +6036,71 @@
           </p:spPr>
         </p:pic>
       </p:grpSp>
+      <p:sp>
+        <p:nvSpPr>
+          <p:cNvPr id="6" name="Rectangle 5">
+            <a:extLst>
+              <a:ext uri="{FF2B5EF4-FFF2-40B4-BE49-F238E27FC236}">
+                <a16:creationId xmlns:a16="http://schemas.microsoft.com/office/drawing/2014/main" id="{0635B861-97F0-164A-AFA8-5A567D80986E}"/>
+              </a:ext>
+            </a:extLst>
+          </p:cNvPr>
+          <p:cNvSpPr/>
+          <p:nvPr/>
+        </p:nvSpPr>
+        <p:spPr>
+          <a:xfrm>
+            <a:off x="102831" y="1459222"/>
+            <a:ext cx="2817630" cy="5078313"/>
+          </a:xfrm>
+          <a:prstGeom prst="rect">
+            <a:avLst/>
+          </a:prstGeom>
+        </p:spPr>
+        <p:txBody>
+          <a:bodyPr wrap="square">
+            <a:spAutoFit/>
+          </a:bodyPr>
+          <a:lstStyle/>
+          <a:p>
+            <a:pPr lvl="0">
+              <a:defRPr/>
+            </a:pPr>
+            <a:r>
+              <a:rPr lang="en-US" b="1" dirty="0">
+                <a:latin typeface="Arial" panose="020B0604020202020204" pitchFamily="34" charset="0"/>
+                <a:cs typeface="Arial" panose="020B0604020202020204" pitchFamily="34" charset="0"/>
+              </a:rPr>
+              <a:t>TEXT</a:t>
+            </a:r>
+          </a:p>
+          <a:p>
+            <a:pPr lvl="0">
+              <a:defRPr/>
+            </a:pPr>
+            <a:r>
+              <a:rPr lang="en-US" dirty="0">
+                <a:latin typeface="Arial" panose="020B0604020202020204" pitchFamily="34" charset="0"/>
+                <a:cs typeface="Arial" panose="020B0604020202020204" pitchFamily="34" charset="0"/>
+              </a:rPr>
+              <a:t>Data analysis reveals that metabolic costs increase faster with body size than feeding rates in fishes. A biological growth model then predicts that optimal growth occurs at colder temperatures in large fish, </a:t>
+            </a:r>
+            <a:r>
+              <a:rPr lang="en-GB" dirty="0">
+                <a:latin typeface="-webkit-standard"/>
+              </a:rPr>
+              <a:t>and this prediction was confirmed using data on experimental growth trials. </a:t>
+            </a:r>
+            <a:r>
+              <a:rPr lang="en-US" dirty="0">
+                <a:latin typeface="Arial" panose="020B0604020202020204" pitchFamily="34" charset="0"/>
+                <a:cs typeface="Arial" panose="020B0604020202020204" pitchFamily="34" charset="0"/>
+              </a:rPr>
+              <a:t>Hence, in a warmer ocean, large fish within a population may be the first to suffer negative effects of warming on growth</a:t>
+            </a:r>
+          </a:p>
+        </p:txBody>
+      </p:sp>
     </p:spTree>
     <p:extLst>
       <p:ext uri="{BB962C8B-B14F-4D97-AF65-F5344CB8AC3E}">
